--- a/Share/每周命题游戏设计/葛美玲/生物智能（沈-李-葛）.pptx
+++ b/Share/每周命题游戏设计/葛美玲/生物智能（沈-李-葛）.pptx
@@ -5469,7 +5469,15 @@
           <a:p>
             <a:r>
               <a:rPr lang="zh-CN" altLang="en-US" dirty="0"/>
-              <a:t>卖出：根据生物种类和稀有属性，可以卖出生物，越稀有价格越高（价格高于原材料价格，低于任务价格）；消耗品和器械也可以售卖，但卖出价格会低于此时商店的买入价格。</a:t>
+              <a:t>卖出：根据生物种类和稀有属性，可以卖出生物，越稀有价格越高（价格高于原材料价格，低于任务价格）；消耗品和器械也可以售卖，但卖出价格会低于此时商店的买入价格（买入卖出基础物品有数量限制</a:t>
+            </a:r>
+            <a:r>
+              <a:rPr lang="en-US" altLang="zh-CN" dirty="0"/>
+              <a:t>)</a:t>
+            </a:r>
+            <a:r>
+              <a:rPr lang="zh-CN" altLang="en-US" dirty="0"/>
+              <a:t>。</a:t>
             </a:r>
             <a:endParaRPr lang="en-US" altLang="zh-CN" dirty="0"/>
           </a:p>
@@ -5952,7 +5960,7 @@
         <p:spPr>
           <a:xfrm>
             <a:off x="2011680" y="782320"/>
-            <a:ext cx="8463280" cy="2308324"/>
+            <a:ext cx="8463280" cy="1754326"/>
           </a:xfrm>
           <a:prstGeom prst="rect">
             <a:avLst/>
@@ -5972,19 +5980,6 @@
             <a:endParaRPr lang="en-US" altLang="zh-CN" dirty="0"/>
           </a:p>
           <a:p>
-            <a:endParaRPr lang="en-US" altLang="zh-CN" dirty="0"/>
-          </a:p>
-          <a:p>
-            <a:r>
-              <a:rPr lang="zh-CN" altLang="en-US" dirty="0"/>
-              <a:t>加速系统：各个培育环节均可加速，但加速需要消耗额外的金币，且在</a:t>
-            </a:r>
-            <a:r>
-              <a:rPr lang="zh-CN" altLang="en-US" dirty="0">
-                <a:sym typeface="+mn-ea"/>
-              </a:rPr>
-              <a:t>超重力室加速培育生物时，有一定概率失败。失败不会毁坏生物，但是消耗品和金币会消失。</a:t>
-            </a:r>
             <a:endParaRPr lang="en-US" altLang="zh-CN" dirty="0">
               <a:sym typeface="+mn-ea"/>
             </a:endParaRPr>
@@ -5999,13 +5994,7 @@
               <a:rPr lang="zh-CN" altLang="en-US" dirty="0">
                 <a:sym typeface="+mn-ea"/>
               </a:rPr>
-              <a:t>等级与解锁系统：一切需要升级的建筑等都需要达到一定</a:t>
-            </a:r>
-            <a:r>
-              <a:rPr lang="zh-CN" altLang="en-US">
-                <a:sym typeface="+mn-ea"/>
-              </a:rPr>
-              <a:t>的等级；任务系统接收任务的种类和数量也依赖等级</a:t>
+              <a:t>等级与解锁系统：一切需要升级的建筑等都需要玩家达到一定的等级；任务系统接收任务的种类和数量也依赖等级</a:t>
             </a:r>
             <a:endParaRPr lang="zh-CN" altLang="en-US" dirty="0"/>
           </a:p>
